--- a/Documentation/Class Presentations/Are We There Yet Progress Report 6.pptx
+++ b/Documentation/Class Presentations/Are We There Yet Progress Report 6.pptx
@@ -112,6 +112,11 @@
       </a:defRPr>
     </a:lvl9pPr>
   </p:defaultTextStyle>
+  <p:extLst>
+    <p:ext uri="{EFAFB233-063F-42B5-8137-9DF3F51BA10A}">
+      <p15:sldGuideLst xmlns:p15="http://schemas.microsoft.com/office/powerpoint/2012/main"/>
+    </p:ext>
+  </p:extLst>
 </p:presentation>
 </file>
 
@@ -197,7 +202,7 @@
           <a:p>
             <a:fld id="{257DB557-0CBC-47E7-B486-F2852F817BDE}" type="datetimeFigureOut">
               <a:rPr lang="en-US" smtClean="0"/>
-              <a:t>11/3/2014</a:t>
+              <a:t>11/4/2014</a:t>
             </a:fld>
             <a:endParaRPr lang="en-US"/>
           </a:p>
@@ -732,7 +737,7 @@
           <a:p>
             <a:fld id="{1B6B15EB-B0C4-4615-84D5-F736891263EB}" type="datetime1">
               <a:rPr lang="en-US" smtClean="0"/>
-              <a:t>11/3/2014</a:t>
+              <a:t>11/4/2014</a:t>
             </a:fld>
             <a:endParaRPr lang="en-US" dirty="0"/>
           </a:p>
@@ -1002,7 +1007,7 @@
           <a:p>
             <a:fld id="{15A714A7-3A49-4473-9845-D23FF4D9FAA3}" type="datetime1">
               <a:rPr lang="en-US" smtClean="0"/>
-              <a:t>11/3/2014</a:t>
+              <a:t>11/4/2014</a:t>
             </a:fld>
             <a:endParaRPr lang="en-US" dirty="0"/>
           </a:p>
@@ -1191,7 +1196,7 @@
           <a:p>
             <a:fld id="{3696FEA7-960F-465C-9C8E-2172B85DB019}" type="datetime1">
               <a:rPr lang="en-US" smtClean="0"/>
-              <a:t>11/3/2014</a:t>
+              <a:t>11/4/2014</a:t>
             </a:fld>
             <a:endParaRPr lang="en-US" dirty="0"/>
           </a:p>
@@ -1454,7 +1459,7 @@
           <a:p>
             <a:fld id="{9A718A03-EAF6-4B0F-823F-8A04319C9A00}" type="datetime1">
               <a:rPr lang="en-US" smtClean="0"/>
-              <a:t>11/3/2014</a:t>
+              <a:t>11/4/2014</a:t>
             </a:fld>
             <a:endParaRPr lang="en-US" dirty="0"/>
           </a:p>
@@ -1781,7 +1786,7 @@
           <a:p>
             <a:fld id="{B6A5E1AB-3343-4439-B1F8-51DDE4C57C7E}" type="datetime1">
               <a:rPr lang="en-US" smtClean="0"/>
-              <a:t>11/3/2014</a:t>
+              <a:t>11/4/2014</a:t>
             </a:fld>
             <a:endParaRPr lang="en-US" dirty="0"/>
           </a:p>
@@ -2386,7 +2391,7 @@
           <a:p>
             <a:fld id="{AB9C49CA-036C-4724-9DCA-4D6FF45C6572}" type="datetime1">
               <a:rPr lang="en-US" smtClean="0"/>
-              <a:t>11/3/2014</a:t>
+              <a:t>11/4/2014</a:t>
             </a:fld>
             <a:endParaRPr lang="en-US" dirty="0"/>
           </a:p>
@@ -3228,7 +3233,7 @@
           <a:p>
             <a:fld id="{F7CAD334-1410-46C0-BA29-73FE4AD8DF1D}" type="datetime1">
               <a:rPr lang="en-US" smtClean="0"/>
-              <a:t>11/3/2014</a:t>
+              <a:t>11/4/2014</a:t>
             </a:fld>
             <a:endParaRPr lang="en-US" dirty="0"/>
           </a:p>
@@ -3393,7 +3398,7 @@
           <a:p>
             <a:fld id="{308EEE18-9C0C-45CF-9A16-800653812A17}" type="datetime1">
               <a:rPr lang="en-US" smtClean="0"/>
-              <a:t>11/3/2014</a:t>
+              <a:t>11/4/2014</a:t>
             </a:fld>
             <a:endParaRPr lang="en-US" dirty="0"/>
           </a:p>
@@ -3568,7 +3573,7 @@
           <a:p>
             <a:fld id="{9EA932DD-4A92-4243-A35B-9B283F2E0F5B}" type="datetime1">
               <a:rPr lang="en-US" smtClean="0"/>
-              <a:t>11/3/2014</a:t>
+              <a:t>11/4/2014</a:t>
             </a:fld>
             <a:endParaRPr lang="en-US" dirty="0"/>
           </a:p>
@@ -3733,7 +3738,7 @@
           <a:p>
             <a:fld id="{F08DF8ED-C6EA-44E9-B3B4-7F97527141D3}" type="datetime1">
               <a:rPr lang="en-US" smtClean="0"/>
-              <a:t>11/3/2014</a:t>
+              <a:t>11/4/2014</a:t>
             </a:fld>
             <a:endParaRPr lang="en-US" dirty="0"/>
           </a:p>
@@ -3972,7 +3977,7 @@
           <a:p>
             <a:fld id="{FC69D57E-DD6C-455E-89BC-3C1CFE4253BD}" type="datetime1">
               <a:rPr lang="en-US" smtClean="0"/>
-              <a:t>11/3/2014</a:t>
+              <a:t>11/4/2014</a:t>
             </a:fld>
             <a:endParaRPr lang="en-US" dirty="0"/>
           </a:p>
@@ -4259,7 +4264,7 @@
           <a:p>
             <a:fld id="{ADB98663-3477-4D1A-A575-4DA89E04B70B}" type="datetime1">
               <a:rPr lang="en-US" smtClean="0"/>
-              <a:t>11/3/2014</a:t>
+              <a:t>11/4/2014</a:t>
             </a:fld>
             <a:endParaRPr lang="en-US" dirty="0"/>
           </a:p>
@@ -4692,7 +4697,7 @@
           <a:p>
             <a:fld id="{19D8B700-6D62-46DC-B03D-A8E3559D9356}" type="datetime1">
               <a:rPr lang="en-US" smtClean="0"/>
-              <a:t>11/3/2014</a:t>
+              <a:t>11/4/2014</a:t>
             </a:fld>
             <a:endParaRPr lang="en-US" dirty="0"/>
           </a:p>
@@ -4805,7 +4810,7 @@
           <a:p>
             <a:fld id="{461471CE-3C6A-487F-9690-FFEC990E60A1}" type="datetime1">
               <a:rPr lang="en-US" smtClean="0"/>
-              <a:t>11/3/2014</a:t>
+              <a:t>11/4/2014</a:t>
             </a:fld>
             <a:endParaRPr lang="en-US" dirty="0"/>
           </a:p>
@@ -4895,7 +4900,7 @@
           <a:p>
             <a:fld id="{85250341-433A-48E1-B87F-2BD334249041}" type="datetime1">
               <a:rPr lang="en-US" smtClean="0"/>
-              <a:t>11/3/2014</a:t>
+              <a:t>11/4/2014</a:t>
             </a:fld>
             <a:endParaRPr lang="en-US" dirty="0"/>
           </a:p>
@@ -5169,7 +5174,7 @@
           <a:p>
             <a:fld id="{3387FE22-1297-4FA3-B21F-1F1BFA360F40}" type="datetime1">
               <a:rPr lang="en-US" smtClean="0"/>
-              <a:t>11/3/2014</a:t>
+              <a:t>11/4/2014</a:t>
             </a:fld>
             <a:endParaRPr lang="en-US" dirty="0"/>
           </a:p>
@@ -5439,7 +5444,7 @@
           <a:p>
             <a:fld id="{F6D9EF5E-F06F-4957-85BB-2823BD2B04BF}" type="datetime1">
               <a:rPr lang="en-US" smtClean="0"/>
-              <a:t>11/3/2014</a:t>
+              <a:t>11/4/2014</a:t>
             </a:fld>
             <a:endParaRPr lang="en-US" dirty="0"/>
           </a:p>
@@ -5863,7 +5868,7 @@
           <a:p>
             <a:fld id="{19070EAC-C37C-413B-A6A5-B0274F492721}" type="datetime1">
               <a:rPr lang="en-US" smtClean="0"/>
-              <a:t>11/3/2014</a:t>
+              <a:t>11/4/2014</a:t>
             </a:fld>
             <a:endParaRPr lang="en-US" dirty="0"/>
           </a:p>
@@ -6631,8 +6636,20 @@
             <a:pPr lvl="1"/>
             <a:r>
               <a:rPr lang="en-US" dirty="0" smtClean="0"/>
-              <a:t>Prototypes that were completed worked as expected</a:t>
-            </a:r>
+              <a:t>Prototypes that were completed worked as </a:t>
+            </a:r>
+            <a:r>
+              <a:rPr lang="en-US" dirty="0" smtClean="0"/>
+              <a:t>expected</a:t>
+            </a:r>
+          </a:p>
+          <a:p>
+            <a:pPr lvl="1"/>
+            <a:r>
+              <a:rPr lang="en-US" dirty="0" smtClean="0"/>
+              <a:t>Prototypes identified flaws in he design that needed to be changed</a:t>
+            </a:r>
+            <a:endParaRPr lang="en-US" dirty="0" smtClean="0"/>
           </a:p>
           <a:p>
             <a:r>
@@ -6954,9 +6971,20 @@
             </a:r>
           </a:p>
           <a:p>
+            <a:pPr lvl="2"/>
             <a:r>
               <a:rPr lang="en-US" dirty="0" smtClean="0"/>
-              <a:t>Requirements Level 2</a:t>
+              <a:t>New are design is a rotating platform which contains all accessories required for the challenges, the platform will rotate into place</a:t>
+            </a:r>
+          </a:p>
+          <a:p>
+            <a:r>
+              <a:rPr lang="en-US" dirty="0" smtClean="0"/>
+              <a:t>Requirements </a:t>
+            </a:r>
+            <a:r>
+              <a:rPr lang="en-US" dirty="0" smtClean="0"/>
+              <a:t>Level 2</a:t>
             </a:r>
             <a:endParaRPr lang="en-US" dirty="0"/>
           </a:p>
@@ -7070,6 +7098,21 @@
               <a:rPr lang="en-US" dirty="0" smtClean="0"/>
               <a:t>SDS</a:t>
             </a:r>
+          </a:p>
+          <a:p>
+            <a:r>
+              <a:rPr lang="en-US" dirty="0"/>
+              <a:t>H</a:t>
+            </a:r>
+            <a:r>
+              <a:rPr lang="en-US" dirty="0" smtClean="0"/>
+              <a:t>ardware integration </a:t>
+            </a:r>
+          </a:p>
+          <a:p>
+            <a:pPr marL="457200" lvl="1" indent="0">
+              <a:buNone/>
+            </a:pPr>
             <a:endParaRPr lang="en-US" dirty="0"/>
           </a:p>
         </p:txBody>

--- a/Documentation/Class Presentations/Are We There Yet Progress Report 6.pptx
+++ b/Documentation/Class Presentations/Are We There Yet Progress Report 6.pptx
@@ -114,7 +114,7 @@
   </p:defaultTextStyle>
   <p:extLst>
     <p:ext uri="{EFAFB233-063F-42B5-8137-9DF3F51BA10A}">
-      <p15:sldGuideLst xmlns:p15="http://schemas.microsoft.com/office/powerpoint/2012/main"/>
+      <p15:sldGuideLst xmlns="" xmlns:p15="http://schemas.microsoft.com/office/powerpoint/2012/main"/>
     </p:ext>
   </p:extLst>
 </p:presentation>
@@ -202,7 +202,7 @@
           <a:p>
             <a:fld id="{257DB557-0CBC-47E7-B486-F2852F817BDE}" type="datetimeFigureOut">
               <a:rPr lang="en-US" smtClean="0"/>
-              <a:t>11/4/2014</a:t>
+              <a:t>04-Nov-14</a:t>
             </a:fld>
             <a:endParaRPr lang="en-US"/>
           </a:p>
@@ -737,7 +737,7 @@
           <a:p>
             <a:fld id="{1B6B15EB-B0C4-4615-84D5-F736891263EB}" type="datetime1">
               <a:rPr lang="en-US" smtClean="0"/>
-              <a:t>11/4/2014</a:t>
+              <a:t>04-Nov-14</a:t>
             </a:fld>
             <a:endParaRPr lang="en-US" dirty="0"/>
           </a:p>
@@ -1007,7 +1007,7 @@
           <a:p>
             <a:fld id="{15A714A7-3A49-4473-9845-D23FF4D9FAA3}" type="datetime1">
               <a:rPr lang="en-US" smtClean="0"/>
-              <a:t>11/4/2014</a:t>
+              <a:t>04-Nov-14</a:t>
             </a:fld>
             <a:endParaRPr lang="en-US" dirty="0"/>
           </a:p>
@@ -1196,7 +1196,7 @@
           <a:p>
             <a:fld id="{3696FEA7-960F-465C-9C8E-2172B85DB019}" type="datetime1">
               <a:rPr lang="en-US" smtClean="0"/>
-              <a:t>11/4/2014</a:t>
+              <a:t>04-Nov-14</a:t>
             </a:fld>
             <a:endParaRPr lang="en-US" dirty="0"/>
           </a:p>
@@ -1459,7 +1459,7 @@
           <a:p>
             <a:fld id="{9A718A03-EAF6-4B0F-823F-8A04319C9A00}" type="datetime1">
               <a:rPr lang="en-US" smtClean="0"/>
-              <a:t>11/4/2014</a:t>
+              <a:t>04-Nov-14</a:t>
             </a:fld>
             <a:endParaRPr lang="en-US" dirty="0"/>
           </a:p>
@@ -1786,7 +1786,7 @@
           <a:p>
             <a:fld id="{B6A5E1AB-3343-4439-B1F8-51DDE4C57C7E}" type="datetime1">
               <a:rPr lang="en-US" smtClean="0"/>
-              <a:t>11/4/2014</a:t>
+              <a:t>04-Nov-14</a:t>
             </a:fld>
             <a:endParaRPr lang="en-US" dirty="0"/>
           </a:p>
@@ -2391,7 +2391,7 @@
           <a:p>
             <a:fld id="{AB9C49CA-036C-4724-9DCA-4D6FF45C6572}" type="datetime1">
               <a:rPr lang="en-US" smtClean="0"/>
-              <a:t>11/4/2014</a:t>
+              <a:t>04-Nov-14</a:t>
             </a:fld>
             <a:endParaRPr lang="en-US" dirty="0"/>
           </a:p>
@@ -3233,7 +3233,7 @@
           <a:p>
             <a:fld id="{F7CAD334-1410-46C0-BA29-73FE4AD8DF1D}" type="datetime1">
               <a:rPr lang="en-US" smtClean="0"/>
-              <a:t>11/4/2014</a:t>
+              <a:t>04-Nov-14</a:t>
             </a:fld>
             <a:endParaRPr lang="en-US" dirty="0"/>
           </a:p>
@@ -3398,7 +3398,7 @@
           <a:p>
             <a:fld id="{308EEE18-9C0C-45CF-9A16-800653812A17}" type="datetime1">
               <a:rPr lang="en-US" smtClean="0"/>
-              <a:t>11/4/2014</a:t>
+              <a:t>04-Nov-14</a:t>
             </a:fld>
             <a:endParaRPr lang="en-US" dirty="0"/>
           </a:p>
@@ -3573,7 +3573,7 @@
           <a:p>
             <a:fld id="{9EA932DD-4A92-4243-A35B-9B283F2E0F5B}" type="datetime1">
               <a:rPr lang="en-US" smtClean="0"/>
-              <a:t>11/4/2014</a:t>
+              <a:t>04-Nov-14</a:t>
             </a:fld>
             <a:endParaRPr lang="en-US" dirty="0"/>
           </a:p>
@@ -3738,7 +3738,7 @@
           <a:p>
             <a:fld id="{F08DF8ED-C6EA-44E9-B3B4-7F97527141D3}" type="datetime1">
               <a:rPr lang="en-US" smtClean="0"/>
-              <a:t>11/4/2014</a:t>
+              <a:t>04-Nov-14</a:t>
             </a:fld>
             <a:endParaRPr lang="en-US" dirty="0"/>
           </a:p>
@@ -3977,7 +3977,7 @@
           <a:p>
             <a:fld id="{FC69D57E-DD6C-455E-89BC-3C1CFE4253BD}" type="datetime1">
               <a:rPr lang="en-US" smtClean="0"/>
-              <a:t>11/4/2014</a:t>
+              <a:t>04-Nov-14</a:t>
             </a:fld>
             <a:endParaRPr lang="en-US" dirty="0"/>
           </a:p>
@@ -4264,7 +4264,7 @@
           <a:p>
             <a:fld id="{ADB98663-3477-4D1A-A575-4DA89E04B70B}" type="datetime1">
               <a:rPr lang="en-US" smtClean="0"/>
-              <a:t>11/4/2014</a:t>
+              <a:t>04-Nov-14</a:t>
             </a:fld>
             <a:endParaRPr lang="en-US" dirty="0"/>
           </a:p>
@@ -4697,7 +4697,7 @@
           <a:p>
             <a:fld id="{19D8B700-6D62-46DC-B03D-A8E3559D9356}" type="datetime1">
               <a:rPr lang="en-US" smtClean="0"/>
-              <a:t>11/4/2014</a:t>
+              <a:t>04-Nov-14</a:t>
             </a:fld>
             <a:endParaRPr lang="en-US" dirty="0"/>
           </a:p>
@@ -4810,7 +4810,7 @@
           <a:p>
             <a:fld id="{461471CE-3C6A-487F-9690-FFEC990E60A1}" type="datetime1">
               <a:rPr lang="en-US" smtClean="0"/>
-              <a:t>11/4/2014</a:t>
+              <a:t>04-Nov-14</a:t>
             </a:fld>
             <a:endParaRPr lang="en-US" dirty="0"/>
           </a:p>
@@ -4900,7 +4900,7 @@
           <a:p>
             <a:fld id="{85250341-433A-48E1-B87F-2BD334249041}" type="datetime1">
               <a:rPr lang="en-US" smtClean="0"/>
-              <a:t>11/4/2014</a:t>
+              <a:t>04-Nov-14</a:t>
             </a:fld>
             <a:endParaRPr lang="en-US" dirty="0"/>
           </a:p>
@@ -5174,7 +5174,7 @@
           <a:p>
             <a:fld id="{3387FE22-1297-4FA3-B21F-1F1BFA360F40}" type="datetime1">
               <a:rPr lang="en-US" smtClean="0"/>
-              <a:t>11/4/2014</a:t>
+              <a:t>04-Nov-14</a:t>
             </a:fld>
             <a:endParaRPr lang="en-US" dirty="0"/>
           </a:p>
@@ -5444,7 +5444,7 @@
           <a:p>
             <a:fld id="{F6D9EF5E-F06F-4957-85BB-2823BD2B04BF}" type="datetime1">
               <a:rPr lang="en-US" smtClean="0"/>
-              <a:t>11/4/2014</a:t>
+              <a:t>04-Nov-14</a:t>
             </a:fld>
             <a:endParaRPr lang="en-US" dirty="0"/>
           </a:p>
@@ -5868,7 +5868,7 @@
           <a:p>
             <a:fld id="{19070EAC-C37C-413B-A6A5-B0274F492721}" type="datetime1">
               <a:rPr lang="en-US" smtClean="0"/>
-              <a:t>11/4/2014</a:t>
+              <a:t>04-Nov-14</a:t>
             </a:fld>
             <a:endParaRPr lang="en-US" dirty="0"/>
           </a:p>
@@ -6636,20 +6636,15 @@
             <a:pPr lvl="1"/>
             <a:r>
               <a:rPr lang="en-US" dirty="0" smtClean="0"/>
-              <a:t>Prototypes that were completed worked as </a:t>
-            </a:r>
+              <a:t>Prototypes that were completed worked as expected</a:t>
+            </a:r>
+          </a:p>
+          <a:p>
+            <a:pPr lvl="1"/>
             <a:r>
               <a:rPr lang="en-US" dirty="0" smtClean="0"/>
-              <a:t>expected</a:t>
-            </a:r>
-          </a:p>
-          <a:p>
-            <a:pPr lvl="1"/>
-            <a:r>
-              <a:rPr lang="en-US" dirty="0" smtClean="0"/>
-              <a:t>Prototypes identified flaws in he design that needed to be changed</a:t>
-            </a:r>
-            <a:endParaRPr lang="en-US" dirty="0" smtClean="0"/>
+              <a:t>Prototypes identified flaws in the design that needed to be changed</a:t>
+            </a:r>
           </a:p>
           <a:p>
             <a:r>
@@ -6668,7 +6663,7 @@
             <a:pPr lvl="1"/>
             <a:r>
               <a:rPr lang="en-US" dirty="0" smtClean="0"/>
-              <a:t>Communications</a:t>
+              <a:t>Communication</a:t>
             </a:r>
           </a:p>
         </p:txBody>
@@ -6768,7 +6763,9 @@
         </p:nvSpPr>
         <p:spPr/>
         <p:txBody>
-          <a:bodyPr/>
+          <a:bodyPr>
+            <a:normAutofit lnSpcReduction="10000"/>
+          </a:bodyPr>
           <a:lstStyle/>
           <a:p>
             <a:r>
@@ -6793,7 +6790,7 @@
             <a:pPr lvl="1"/>
             <a:r>
               <a:rPr lang="en-US" dirty="0" smtClean="0"/>
-              <a:t>Proved that the sensors work with the Arduino</a:t>
+              <a:t>Proved that the sensors work with the Arduino; made switch to analog array with 8 sensors</a:t>
             </a:r>
           </a:p>
           <a:p>
@@ -6980,11 +6977,7 @@
           <a:p>
             <a:r>
               <a:rPr lang="en-US" dirty="0" smtClean="0"/>
-              <a:t>Requirements </a:t>
-            </a:r>
-            <a:r>
-              <a:rPr lang="en-US" dirty="0" smtClean="0"/>
-              <a:t>Level 2</a:t>
+              <a:t>Requirements Level 2</a:t>
             </a:r>
             <a:endParaRPr lang="en-US" dirty="0"/>
           </a:p>
@@ -7419,7 +7412,7 @@
   <a:extraClrSchemeLst/>
   <a:extLst>
     <a:ext uri="{05A4C25C-085E-4340-85A3-A5531E510DB2}">
-      <thm15:themeFamily xmlns:thm15="http://schemas.microsoft.com/office/thememl/2012/main" name="Ion" id="{B8441ADB-2E43-4AF7-B97A-BD870242C6A8}" vid="{BACC050B-8757-4460-95D8-E37B46A6B421}"/>
+      <thm15:themeFamily xmlns="" xmlns:thm15="http://schemas.microsoft.com/office/thememl/2012/main" name="Ion" id="{B8441ADB-2E43-4AF7-B97A-BD870242C6A8}" vid="{BACC050B-8757-4460-95D8-E37B46A6B421}"/>
     </a:ext>
   </a:extLst>
 </a:theme>
@@ -7680,7 +7673,7 @@
   <a:extraClrSchemeLst/>
   <a:extLst>
     <a:ext uri="{05A4C25C-085E-4340-85A3-A5531E510DB2}">
-      <thm15:themeFamily xmlns:thm15="http://schemas.microsoft.com/office/thememl/2012/main" name="Office Theme" id="{62F939B6-93AF-4DB8-9C6B-D6C7DFDC589F}" vid="{4A3C46E8-61CC-4603-A589-7422A47A8E4A}"/>
+      <thm15:themeFamily xmlns="" xmlns:thm15="http://schemas.microsoft.com/office/thememl/2012/main" name="Office Theme" id="{62F939B6-93AF-4DB8-9C6B-D6C7DFDC589F}" vid="{4A3C46E8-61CC-4603-A589-7422A47A8E4A}"/>
     </a:ext>
   </a:extLst>
 </a:theme>
